--- a/lectures/infrastructure-week-7-midterm.pptx
+++ b/lectures/infrastructure-week-7-midterm.pptx
@@ -243,7 +243,7 @@
           <a:p>
             <a:fld id="{EC4EA31E-8F8E-874E-8707-EA6F71849ACC}" type="datetimeFigureOut">
               <a:rPr lang="en-US" smtClean="0"/>
-              <a:t>3/12/17</a:t>
+              <a:t>10/23/17</a:t>
             </a:fld>
             <a:endParaRPr lang="en-US"/>
           </a:p>
@@ -408,7 +408,7 @@
           <a:p>
             <a:fld id="{EC4EA31E-8F8E-874E-8707-EA6F71849ACC}" type="datetimeFigureOut">
               <a:rPr lang="en-US" smtClean="0"/>
-              <a:t>3/12/17</a:t>
+              <a:t>10/23/17</a:t>
             </a:fld>
             <a:endParaRPr lang="en-US"/>
           </a:p>
@@ -583,7 +583,7 @@
           <a:p>
             <a:fld id="{EC4EA31E-8F8E-874E-8707-EA6F71849ACC}" type="datetimeFigureOut">
               <a:rPr lang="en-US" smtClean="0"/>
-              <a:t>3/12/17</a:t>
+              <a:t>10/23/17</a:t>
             </a:fld>
             <a:endParaRPr lang="en-US"/>
           </a:p>
@@ -748,7 +748,7 @@
           <a:p>
             <a:fld id="{EC4EA31E-8F8E-874E-8707-EA6F71849ACC}" type="datetimeFigureOut">
               <a:rPr lang="en-US" smtClean="0"/>
-              <a:t>3/12/17</a:t>
+              <a:t>10/23/17</a:t>
             </a:fld>
             <a:endParaRPr lang="en-US"/>
           </a:p>
@@ -989,7 +989,7 @@
           <a:p>
             <a:fld id="{EC4EA31E-8F8E-874E-8707-EA6F71849ACC}" type="datetimeFigureOut">
               <a:rPr lang="en-US" smtClean="0"/>
-              <a:t>3/12/17</a:t>
+              <a:t>10/23/17</a:t>
             </a:fld>
             <a:endParaRPr lang="en-US"/>
           </a:p>
@@ -1216,7 +1216,7 @@
           <a:p>
             <a:fld id="{EC4EA31E-8F8E-874E-8707-EA6F71849ACC}" type="datetimeFigureOut">
               <a:rPr lang="en-US" smtClean="0"/>
-              <a:t>3/12/17</a:t>
+              <a:t>10/23/17</a:t>
             </a:fld>
             <a:endParaRPr lang="en-US"/>
           </a:p>
@@ -1578,7 +1578,7 @@
           <a:p>
             <a:fld id="{EC4EA31E-8F8E-874E-8707-EA6F71849ACC}" type="datetimeFigureOut">
               <a:rPr lang="en-US" smtClean="0"/>
-              <a:t>3/12/17</a:t>
+              <a:t>10/23/17</a:t>
             </a:fld>
             <a:endParaRPr lang="en-US"/>
           </a:p>
@@ -1691,7 +1691,7 @@
           <a:p>
             <a:fld id="{EC4EA31E-8F8E-874E-8707-EA6F71849ACC}" type="datetimeFigureOut">
               <a:rPr lang="en-US" smtClean="0"/>
-              <a:t>3/12/17</a:t>
+              <a:t>10/23/17</a:t>
             </a:fld>
             <a:endParaRPr lang="en-US"/>
           </a:p>
@@ -1781,7 +1781,7 @@
           <a:p>
             <a:fld id="{EC4EA31E-8F8E-874E-8707-EA6F71849ACC}" type="datetimeFigureOut">
               <a:rPr lang="en-US" smtClean="0"/>
-              <a:t>3/12/17</a:t>
+              <a:t>10/23/17</a:t>
             </a:fld>
             <a:endParaRPr lang="en-US"/>
           </a:p>
@@ -2053,7 +2053,7 @@
           <a:p>
             <a:fld id="{EC4EA31E-8F8E-874E-8707-EA6F71849ACC}" type="datetimeFigureOut">
               <a:rPr lang="en-US" smtClean="0"/>
-              <a:t>3/12/17</a:t>
+              <a:t>10/23/17</a:t>
             </a:fld>
             <a:endParaRPr lang="en-US"/>
           </a:p>
@@ -2305,7 +2305,7 @@
           <a:p>
             <a:fld id="{EC4EA31E-8F8E-874E-8707-EA6F71849ACC}" type="datetimeFigureOut">
               <a:rPr lang="en-US" smtClean="0"/>
-              <a:t>3/12/17</a:t>
+              <a:t>10/23/17</a:t>
             </a:fld>
             <a:endParaRPr lang="en-US"/>
           </a:p>
@@ -2513,7 +2513,7 @@
           <a:p>
             <a:fld id="{EC4EA31E-8F8E-874E-8707-EA6F71849ACC}" type="datetimeFigureOut">
               <a:rPr lang="en-US" smtClean="0"/>
-              <a:t>3/12/17</a:t>
+              <a:t>10/23/17</a:t>
             </a:fld>
             <a:endParaRPr lang="en-US"/>
           </a:p>
@@ -2936,7 +2936,7 @@
         </p:spPr>
         <p:txBody>
           <a:bodyPr>
-            <a:normAutofit/>
+            <a:normAutofit fontScale="90000"/>
           </a:bodyPr>
           <a:lstStyle/>
           <a:p>
@@ -2955,17 +2955,12 @@
               <a:rPr lang="en-US" sz="3600" dirty="0" smtClean="0"/>
               <a:t>665</a:t>
             </a:r>
-            <a:r>
-              <a:rPr lang="en-US" sz="3600" dirty="0"/>
-              <a:t> </a:t>
-            </a:r>
-            <a:r>
+            <a:br>
               <a:rPr lang="en-US" sz="3600" dirty="0" smtClean="0"/>
-              <a:t>Midterm </a:t>
-            </a:r>
+            </a:br>
             <a:r>
               <a:rPr lang="en-US" sz="3600" dirty="0" smtClean="0"/>
-              <a:t>Exam</a:t>
+              <a:t>Midterm</a:t>
             </a:r>
             <a:endParaRPr lang="en-US" sz="3600" dirty="0"/>
           </a:p>
@@ -2989,7 +2984,7 @@
         </p:spPr>
         <p:txBody>
           <a:bodyPr>
-            <a:normAutofit fontScale="85000" lnSpcReduction="20000"/>
+            <a:normAutofit/>
           </a:bodyPr>
           <a:lstStyle/>
           <a:p>
@@ -3016,35 +3011,7 @@
             </a:pPr>
             <a:r>
               <a:rPr lang="en-US" dirty="0" smtClean="0"/>
-              <a:t>50 </a:t>
-            </a:r>
-            <a:r>
-              <a:rPr lang="en-US" dirty="0" smtClean="0"/>
-              <a:t>Questions </a:t>
-            </a:r>
-            <a:r>
-              <a:rPr lang="en-US" dirty="0" smtClean="0"/>
-              <a:t>(</a:t>
-            </a:r>
-            <a:r>
-              <a:rPr lang="en-US" dirty="0" smtClean="0"/>
-              <a:t>19</a:t>
-            </a:r>
-            <a:r>
-              <a:rPr lang="en-US" dirty="0" smtClean="0"/>
-              <a:t> </a:t>
-            </a:r>
-            <a:r>
-              <a:rPr lang="en-US" dirty="0" smtClean="0"/>
-              <a:t>true/false &amp; </a:t>
-            </a:r>
-            <a:r>
-              <a:rPr lang="en-US" dirty="0" smtClean="0"/>
-              <a:t>31 </a:t>
-            </a:r>
-            <a:r>
-              <a:rPr lang="en-US" dirty="0" smtClean="0"/>
-              <a:t>multiple choice)</a:t>
+              <a:t>The Midterm Challenge:</a:t>
             </a:r>
           </a:p>
           <a:p>
@@ -3054,34 +3021,9 @@
             </a:pPr>
             <a:r>
               <a:rPr lang="en-US" dirty="0" smtClean="0"/>
-              <a:t>True/false = </a:t>
-            </a:r>
-            <a:r>
-              <a:rPr lang="en-US" dirty="0" smtClean="0"/>
-              <a:t>30</a:t>
-            </a:r>
-            <a:r>
-              <a:rPr lang="en-US" dirty="0" smtClean="0"/>
-              <a:t>%</a:t>
-            </a:r>
-          </a:p>
-          <a:p>
-            <a:pPr marL="800100" lvl="1" indent="-342900" algn="l">
-              <a:buFont typeface="Arial" charset="0"/>
-              <a:buChar char="•"/>
-            </a:pPr>
-            <a:r>
-              <a:rPr lang="en-US" dirty="0" smtClean="0"/>
-              <a:t>Multiple choice = </a:t>
-            </a:r>
-            <a:r>
-              <a:rPr lang="en-US" dirty="0" smtClean="0"/>
-              <a:t>70</a:t>
-            </a:r>
-            <a:r>
-              <a:rPr lang="en-US" dirty="0" smtClean="0"/>
-              <a:t>%</a:t>
-            </a:r>
+              <a:t>One problem with three parts.</a:t>
+            </a:r>
+            <a:endParaRPr lang="en-US" dirty="0" smtClean="0"/>
           </a:p>
           <a:p>
             <a:pPr marL="342900" indent="-342900" algn="l">
@@ -3091,33 +3033,13 @@
             <a:endParaRPr lang="en-US" dirty="0"/>
           </a:p>
           <a:p>
-            <a:pPr marL="342900" indent="-342900" algn="l">
+            <a:pPr marL="800100" lvl="1" indent="-342900" algn="l">
               <a:buFont typeface="Arial" charset="0"/>
               <a:buChar char="•"/>
             </a:pPr>
             <a:r>
               <a:rPr lang="en-US" dirty="0" smtClean="0"/>
-              <a:t>You have the entire </a:t>
-            </a:r>
-            <a:r>
-              <a:rPr lang="en-US" dirty="0" smtClean="0"/>
-              <a:t>remaining class </a:t>
-            </a:r>
-            <a:r>
-              <a:rPr lang="en-US" dirty="0" smtClean="0"/>
-              <a:t>period </a:t>
-            </a:r>
-            <a:r>
-              <a:rPr lang="en-US" dirty="0" smtClean="0"/>
-              <a:t>(average = ~1 </a:t>
-            </a:r>
-            <a:r>
-              <a:rPr lang="en-US" dirty="0" err="1" smtClean="0"/>
-              <a:t>hr</a:t>
-            </a:r>
-            <a:r>
-              <a:rPr lang="en-US" dirty="0" smtClean="0"/>
-              <a:t>). </a:t>
+              <a:t>You have two hours to complete the challenge. I will be flexible on timing since this is the first group to attempt the challenge.</a:t>
             </a:r>
             <a:endParaRPr lang="en-US" dirty="0" smtClean="0"/>
           </a:p>
@@ -3129,14 +3051,15 @@
             <a:endParaRPr lang="en-US" dirty="0" smtClean="0"/>
           </a:p>
           <a:p>
-            <a:pPr marL="342900" indent="-342900" algn="l">
+            <a:pPr marL="800100" lvl="1" indent="-342900" algn="l">
               <a:buFont typeface="Arial" charset="0"/>
               <a:buChar char="•"/>
             </a:pPr>
             <a:r>
               <a:rPr lang="en-US" dirty="0" smtClean="0"/>
-              <a:t>Please print your name on blank sheet of paper I provided and turn it in after completing the exam.</a:t>
-            </a:r>
+              <a:t>Open book. Use of personal communication tools is strictly prohibited.</a:t>
+            </a:r>
+            <a:endParaRPr lang="en-US" dirty="0" smtClean="0"/>
           </a:p>
           <a:p>
             <a:pPr marL="342900" indent="-342900" algn="l">
@@ -3146,18 +3069,10 @@
             <a:endParaRPr lang="en-US" dirty="0"/>
           </a:p>
           <a:p>
-            <a:pPr marL="342900" indent="-342900" algn="l">
+            <a:pPr marL="800100" lvl="1" indent="-342900" algn="l">
               <a:buFont typeface="Arial" charset="0"/>
               <a:buChar char="•"/>
             </a:pPr>
-            <a:r>
-              <a:rPr lang="en-US" dirty="0" smtClean="0"/>
-              <a:t>Select the best answer. Don’t over-analyze the questions. </a:t>
-            </a:r>
-            <a:r>
-              <a:rPr lang="en-US" dirty="0" smtClean="0"/>
-              <a:t>Review your work.</a:t>
-            </a:r>
             <a:endParaRPr lang="en-US" dirty="0" smtClean="0"/>
           </a:p>
           <a:p>

--- a/lectures/infrastructure-week-7-midterm.pptx
+++ b/lectures/infrastructure-week-7-midterm.pptx
@@ -154,7 +154,7 @@
           </a:lstStyle>
           <a:p>
             <a:r>
-              <a:rPr lang="en-US" smtClean="0"/>
+              <a:rPr lang="en-US"/>
               <a:t>Click to edit Master title style</a:t>
             </a:r>
             <a:endParaRPr lang="en-US" dirty="0"/>
@@ -219,7 +219,7 @@
           </a:lstStyle>
           <a:p>
             <a:r>
-              <a:rPr lang="en-US" smtClean="0"/>
+              <a:rPr lang="en-US"/>
               <a:t>Click to edit Master subtitle style</a:t>
             </a:r>
             <a:endParaRPr lang="en-US" dirty="0"/>
@@ -243,7 +243,7 @@
           <a:p>
             <a:fld id="{EC4EA31E-8F8E-874E-8707-EA6F71849ACC}" type="datetimeFigureOut">
               <a:rPr lang="en-US" smtClean="0"/>
-              <a:t>10/23/17</a:t>
+              <a:t>3/11/18</a:t>
             </a:fld>
             <a:endParaRPr lang="en-US"/>
           </a:p>
@@ -332,7 +332,7 @@
           <a:lstStyle/>
           <a:p>
             <a:r>
-              <a:rPr lang="en-US" smtClean="0"/>
+              <a:rPr lang="en-US"/>
               <a:t>Click to edit Master title style</a:t>
             </a:r>
             <a:endParaRPr lang="en-US" dirty="0"/>
@@ -356,35 +356,35 @@
           <a:p>
             <a:pPr lvl="0"/>
             <a:r>
-              <a:rPr lang="en-US" smtClean="0"/>
+              <a:rPr lang="en-US"/>
               <a:t>Click to edit Master text styles</a:t>
             </a:r>
           </a:p>
           <a:p>
             <a:pPr lvl="1"/>
             <a:r>
-              <a:rPr lang="en-US" smtClean="0"/>
+              <a:rPr lang="en-US"/>
               <a:t>Second level</a:t>
             </a:r>
           </a:p>
           <a:p>
             <a:pPr lvl="2"/>
             <a:r>
-              <a:rPr lang="en-US" smtClean="0"/>
+              <a:rPr lang="en-US"/>
               <a:t>Third level</a:t>
             </a:r>
           </a:p>
           <a:p>
             <a:pPr lvl="3"/>
             <a:r>
-              <a:rPr lang="en-US" smtClean="0"/>
+              <a:rPr lang="en-US"/>
               <a:t>Fourth level</a:t>
             </a:r>
           </a:p>
           <a:p>
             <a:pPr lvl="4"/>
             <a:r>
-              <a:rPr lang="en-US" smtClean="0"/>
+              <a:rPr lang="en-US"/>
               <a:t>Fifth level</a:t>
             </a:r>
             <a:endParaRPr lang="en-US" dirty="0"/>
@@ -408,7 +408,7 @@
           <a:p>
             <a:fld id="{EC4EA31E-8F8E-874E-8707-EA6F71849ACC}" type="datetimeFigureOut">
               <a:rPr lang="en-US" smtClean="0"/>
-              <a:t>10/23/17</a:t>
+              <a:t>3/11/18</a:t>
             </a:fld>
             <a:endParaRPr lang="en-US"/>
           </a:p>
@@ -502,7 +502,7 @@
           <a:lstStyle/>
           <a:p>
             <a:r>
-              <a:rPr lang="en-US" smtClean="0"/>
+              <a:rPr lang="en-US"/>
               <a:t>Click to edit Master title style</a:t>
             </a:r>
             <a:endParaRPr lang="en-US" dirty="0"/>
@@ -531,35 +531,35 @@
           <a:p>
             <a:pPr lvl="0"/>
             <a:r>
-              <a:rPr lang="en-US" smtClean="0"/>
+              <a:rPr lang="en-US"/>
               <a:t>Click to edit Master text styles</a:t>
             </a:r>
           </a:p>
           <a:p>
             <a:pPr lvl="1"/>
             <a:r>
-              <a:rPr lang="en-US" smtClean="0"/>
+              <a:rPr lang="en-US"/>
               <a:t>Second level</a:t>
             </a:r>
           </a:p>
           <a:p>
             <a:pPr lvl="2"/>
             <a:r>
-              <a:rPr lang="en-US" smtClean="0"/>
+              <a:rPr lang="en-US"/>
               <a:t>Third level</a:t>
             </a:r>
           </a:p>
           <a:p>
             <a:pPr lvl="3"/>
             <a:r>
-              <a:rPr lang="en-US" smtClean="0"/>
+              <a:rPr lang="en-US"/>
               <a:t>Fourth level</a:t>
             </a:r>
           </a:p>
           <a:p>
             <a:pPr lvl="4"/>
             <a:r>
-              <a:rPr lang="en-US" smtClean="0"/>
+              <a:rPr lang="en-US"/>
               <a:t>Fifth level</a:t>
             </a:r>
             <a:endParaRPr lang="en-US" dirty="0"/>
@@ -583,7 +583,7 @@
           <a:p>
             <a:fld id="{EC4EA31E-8F8E-874E-8707-EA6F71849ACC}" type="datetimeFigureOut">
               <a:rPr lang="en-US" smtClean="0"/>
-              <a:t>10/23/17</a:t>
+              <a:t>3/11/18</a:t>
             </a:fld>
             <a:endParaRPr lang="en-US"/>
           </a:p>
@@ -672,7 +672,7 @@
           <a:lstStyle/>
           <a:p>
             <a:r>
-              <a:rPr lang="en-US" smtClean="0"/>
+              <a:rPr lang="en-US"/>
               <a:t>Click to edit Master title style</a:t>
             </a:r>
             <a:endParaRPr lang="en-US" dirty="0"/>
@@ -696,35 +696,35 @@
           <a:p>
             <a:pPr lvl="0"/>
             <a:r>
-              <a:rPr lang="en-US" smtClean="0"/>
+              <a:rPr lang="en-US"/>
               <a:t>Click to edit Master text styles</a:t>
             </a:r>
           </a:p>
           <a:p>
             <a:pPr lvl="1"/>
             <a:r>
-              <a:rPr lang="en-US" smtClean="0"/>
+              <a:rPr lang="en-US"/>
               <a:t>Second level</a:t>
             </a:r>
           </a:p>
           <a:p>
             <a:pPr lvl="2"/>
             <a:r>
-              <a:rPr lang="en-US" smtClean="0"/>
+              <a:rPr lang="en-US"/>
               <a:t>Third level</a:t>
             </a:r>
           </a:p>
           <a:p>
             <a:pPr lvl="3"/>
             <a:r>
-              <a:rPr lang="en-US" smtClean="0"/>
+              <a:rPr lang="en-US"/>
               <a:t>Fourth level</a:t>
             </a:r>
           </a:p>
           <a:p>
             <a:pPr lvl="4"/>
             <a:r>
-              <a:rPr lang="en-US" smtClean="0"/>
+              <a:rPr lang="en-US"/>
               <a:t>Fifth level</a:t>
             </a:r>
             <a:endParaRPr lang="en-US" dirty="0"/>
@@ -748,7 +748,7 @@
           <a:p>
             <a:fld id="{EC4EA31E-8F8E-874E-8707-EA6F71849ACC}" type="datetimeFigureOut">
               <a:rPr lang="en-US" smtClean="0"/>
-              <a:t>10/23/17</a:t>
+              <a:t>3/11/18</a:t>
             </a:fld>
             <a:endParaRPr lang="en-US"/>
           </a:p>
@@ -846,7 +846,7 @@
           </a:lstStyle>
           <a:p>
             <a:r>
-              <a:rPr lang="en-US" smtClean="0"/>
+              <a:rPr lang="en-US"/>
               <a:t>Click to edit Master title style</a:t>
             </a:r>
             <a:endParaRPr lang="en-US" dirty="0"/>
@@ -966,7 +966,7 @@
           <a:p>
             <a:pPr lvl="0"/>
             <a:r>
-              <a:rPr lang="en-US" smtClean="0"/>
+              <a:rPr lang="en-US"/>
               <a:t>Click to edit Master text styles</a:t>
             </a:r>
           </a:p>
@@ -989,7 +989,7 @@
           <a:p>
             <a:fld id="{EC4EA31E-8F8E-874E-8707-EA6F71849ACC}" type="datetimeFigureOut">
               <a:rPr lang="en-US" smtClean="0"/>
-              <a:t>10/23/17</a:t>
+              <a:t>3/11/18</a:t>
             </a:fld>
             <a:endParaRPr lang="en-US"/>
           </a:p>
@@ -1078,7 +1078,7 @@
           <a:lstStyle/>
           <a:p>
             <a:r>
-              <a:rPr lang="en-US" smtClean="0"/>
+              <a:rPr lang="en-US"/>
               <a:t>Click to edit Master title style</a:t>
             </a:r>
             <a:endParaRPr lang="en-US" dirty="0"/>
@@ -1107,35 +1107,35 @@
           <a:p>
             <a:pPr lvl="0"/>
             <a:r>
-              <a:rPr lang="en-US" smtClean="0"/>
+              <a:rPr lang="en-US"/>
               <a:t>Click to edit Master text styles</a:t>
             </a:r>
           </a:p>
           <a:p>
             <a:pPr lvl="1"/>
             <a:r>
-              <a:rPr lang="en-US" smtClean="0"/>
+              <a:rPr lang="en-US"/>
               <a:t>Second level</a:t>
             </a:r>
           </a:p>
           <a:p>
             <a:pPr lvl="2"/>
             <a:r>
-              <a:rPr lang="en-US" smtClean="0"/>
+              <a:rPr lang="en-US"/>
               <a:t>Third level</a:t>
             </a:r>
           </a:p>
           <a:p>
             <a:pPr lvl="3"/>
             <a:r>
-              <a:rPr lang="en-US" smtClean="0"/>
+              <a:rPr lang="en-US"/>
               <a:t>Fourth level</a:t>
             </a:r>
           </a:p>
           <a:p>
             <a:pPr lvl="4"/>
             <a:r>
-              <a:rPr lang="en-US" smtClean="0"/>
+              <a:rPr lang="en-US"/>
               <a:t>Fifth level</a:t>
             </a:r>
             <a:endParaRPr lang="en-US" dirty="0"/>
@@ -1164,35 +1164,35 @@
           <a:p>
             <a:pPr lvl="0"/>
             <a:r>
-              <a:rPr lang="en-US" smtClean="0"/>
+              <a:rPr lang="en-US"/>
               <a:t>Click to edit Master text styles</a:t>
             </a:r>
           </a:p>
           <a:p>
             <a:pPr lvl="1"/>
             <a:r>
-              <a:rPr lang="en-US" smtClean="0"/>
+              <a:rPr lang="en-US"/>
               <a:t>Second level</a:t>
             </a:r>
           </a:p>
           <a:p>
             <a:pPr lvl="2"/>
             <a:r>
-              <a:rPr lang="en-US" smtClean="0"/>
+              <a:rPr lang="en-US"/>
               <a:t>Third level</a:t>
             </a:r>
           </a:p>
           <a:p>
             <a:pPr lvl="3"/>
             <a:r>
-              <a:rPr lang="en-US" smtClean="0"/>
+              <a:rPr lang="en-US"/>
               <a:t>Fourth level</a:t>
             </a:r>
           </a:p>
           <a:p>
             <a:pPr lvl="4"/>
             <a:r>
-              <a:rPr lang="en-US" smtClean="0"/>
+              <a:rPr lang="en-US"/>
               <a:t>Fifth level</a:t>
             </a:r>
             <a:endParaRPr lang="en-US" dirty="0"/>
@@ -1216,7 +1216,7 @@
           <a:p>
             <a:fld id="{EC4EA31E-8F8E-874E-8707-EA6F71849ACC}" type="datetimeFigureOut">
               <a:rPr lang="en-US" smtClean="0"/>
-              <a:t>10/23/17</a:t>
+              <a:t>3/11/18</a:t>
             </a:fld>
             <a:endParaRPr lang="en-US"/>
           </a:p>
@@ -1310,7 +1310,7 @@
           <a:lstStyle/>
           <a:p>
             <a:r>
-              <a:rPr lang="en-US" smtClean="0"/>
+              <a:rPr lang="en-US"/>
               <a:t>Click to edit Master title style</a:t>
             </a:r>
             <a:endParaRPr lang="en-US" dirty="0"/>
@@ -1376,7 +1376,7 @@
           <a:p>
             <a:pPr lvl="0"/>
             <a:r>
-              <a:rPr lang="en-US" smtClean="0"/>
+              <a:rPr lang="en-US"/>
               <a:t>Click to edit Master text styles</a:t>
             </a:r>
           </a:p>
@@ -1404,35 +1404,35 @@
           <a:p>
             <a:pPr lvl="0"/>
             <a:r>
-              <a:rPr lang="en-US" smtClean="0"/>
+              <a:rPr lang="en-US"/>
               <a:t>Click to edit Master text styles</a:t>
             </a:r>
           </a:p>
           <a:p>
             <a:pPr lvl="1"/>
             <a:r>
-              <a:rPr lang="en-US" smtClean="0"/>
+              <a:rPr lang="en-US"/>
               <a:t>Second level</a:t>
             </a:r>
           </a:p>
           <a:p>
             <a:pPr lvl="2"/>
             <a:r>
-              <a:rPr lang="en-US" smtClean="0"/>
+              <a:rPr lang="en-US"/>
               <a:t>Third level</a:t>
             </a:r>
           </a:p>
           <a:p>
             <a:pPr lvl="3"/>
             <a:r>
-              <a:rPr lang="en-US" smtClean="0"/>
+              <a:rPr lang="en-US"/>
               <a:t>Fourth level</a:t>
             </a:r>
           </a:p>
           <a:p>
             <a:pPr lvl="4"/>
             <a:r>
-              <a:rPr lang="en-US" smtClean="0"/>
+              <a:rPr lang="en-US"/>
               <a:t>Fifth level</a:t>
             </a:r>
             <a:endParaRPr lang="en-US" dirty="0"/>
@@ -1498,7 +1498,7 @@
           <a:p>
             <a:pPr lvl="0"/>
             <a:r>
-              <a:rPr lang="en-US" smtClean="0"/>
+              <a:rPr lang="en-US"/>
               <a:t>Click to edit Master text styles</a:t>
             </a:r>
           </a:p>
@@ -1526,35 +1526,35 @@
           <a:p>
             <a:pPr lvl="0"/>
             <a:r>
-              <a:rPr lang="en-US" smtClean="0"/>
+              <a:rPr lang="en-US"/>
               <a:t>Click to edit Master text styles</a:t>
             </a:r>
           </a:p>
           <a:p>
             <a:pPr lvl="1"/>
             <a:r>
-              <a:rPr lang="en-US" smtClean="0"/>
+              <a:rPr lang="en-US"/>
               <a:t>Second level</a:t>
             </a:r>
           </a:p>
           <a:p>
             <a:pPr lvl="2"/>
             <a:r>
-              <a:rPr lang="en-US" smtClean="0"/>
+              <a:rPr lang="en-US"/>
               <a:t>Third level</a:t>
             </a:r>
           </a:p>
           <a:p>
             <a:pPr lvl="3"/>
             <a:r>
-              <a:rPr lang="en-US" smtClean="0"/>
+              <a:rPr lang="en-US"/>
               <a:t>Fourth level</a:t>
             </a:r>
           </a:p>
           <a:p>
             <a:pPr lvl="4"/>
             <a:r>
-              <a:rPr lang="en-US" smtClean="0"/>
+              <a:rPr lang="en-US"/>
               <a:t>Fifth level</a:t>
             </a:r>
             <a:endParaRPr lang="en-US" dirty="0"/>
@@ -1578,7 +1578,7 @@
           <a:p>
             <a:fld id="{EC4EA31E-8F8E-874E-8707-EA6F71849ACC}" type="datetimeFigureOut">
               <a:rPr lang="en-US" smtClean="0"/>
-              <a:t>10/23/17</a:t>
+              <a:t>3/11/18</a:t>
             </a:fld>
             <a:endParaRPr lang="en-US"/>
           </a:p>
@@ -1667,7 +1667,7 @@
           <a:lstStyle/>
           <a:p>
             <a:r>
-              <a:rPr lang="en-US" smtClean="0"/>
+              <a:rPr lang="en-US"/>
               <a:t>Click to edit Master title style</a:t>
             </a:r>
             <a:endParaRPr lang="en-US" dirty="0"/>
@@ -1691,7 +1691,7 @@
           <a:p>
             <a:fld id="{EC4EA31E-8F8E-874E-8707-EA6F71849ACC}" type="datetimeFigureOut">
               <a:rPr lang="en-US" smtClean="0"/>
-              <a:t>10/23/17</a:t>
+              <a:t>3/11/18</a:t>
             </a:fld>
             <a:endParaRPr lang="en-US"/>
           </a:p>
@@ -1781,7 +1781,7 @@
           <a:p>
             <a:fld id="{EC4EA31E-8F8E-874E-8707-EA6F71849ACC}" type="datetimeFigureOut">
               <a:rPr lang="en-US" smtClean="0"/>
-              <a:t>10/23/17</a:t>
+              <a:t>3/11/18</a:t>
             </a:fld>
             <a:endParaRPr lang="en-US"/>
           </a:p>
@@ -1879,7 +1879,7 @@
           </a:lstStyle>
           <a:p>
             <a:r>
-              <a:rPr lang="en-US" smtClean="0"/>
+              <a:rPr lang="en-US"/>
               <a:t>Click to edit Master title style</a:t>
             </a:r>
             <a:endParaRPr lang="en-US" dirty="0"/>
@@ -1936,35 +1936,35 @@
           <a:p>
             <a:pPr lvl="0"/>
             <a:r>
-              <a:rPr lang="en-US" smtClean="0"/>
+              <a:rPr lang="en-US"/>
               <a:t>Click to edit Master text styles</a:t>
             </a:r>
           </a:p>
           <a:p>
             <a:pPr lvl="1"/>
             <a:r>
-              <a:rPr lang="en-US" smtClean="0"/>
+              <a:rPr lang="en-US"/>
               <a:t>Second level</a:t>
             </a:r>
           </a:p>
           <a:p>
             <a:pPr lvl="2"/>
             <a:r>
-              <a:rPr lang="en-US" smtClean="0"/>
+              <a:rPr lang="en-US"/>
               <a:t>Third level</a:t>
             </a:r>
           </a:p>
           <a:p>
             <a:pPr lvl="3"/>
             <a:r>
-              <a:rPr lang="en-US" smtClean="0"/>
+              <a:rPr lang="en-US"/>
               <a:t>Fourth level</a:t>
             </a:r>
           </a:p>
           <a:p>
             <a:pPr lvl="4"/>
             <a:r>
-              <a:rPr lang="en-US" smtClean="0"/>
+              <a:rPr lang="en-US"/>
               <a:t>Fifth level</a:t>
             </a:r>
             <a:endParaRPr lang="en-US" dirty="0"/>
@@ -2030,7 +2030,7 @@
           <a:p>
             <a:pPr lvl="0"/>
             <a:r>
-              <a:rPr lang="en-US" smtClean="0"/>
+              <a:rPr lang="en-US"/>
               <a:t>Click to edit Master text styles</a:t>
             </a:r>
           </a:p>
@@ -2053,7 +2053,7 @@
           <a:p>
             <a:fld id="{EC4EA31E-8F8E-874E-8707-EA6F71849ACC}" type="datetimeFigureOut">
               <a:rPr lang="en-US" smtClean="0"/>
-              <a:t>10/23/17</a:t>
+              <a:t>3/11/18</a:t>
             </a:fld>
             <a:endParaRPr lang="en-US"/>
           </a:p>
@@ -2151,7 +2151,7 @@
           </a:lstStyle>
           <a:p>
             <a:r>
-              <a:rPr lang="en-US" smtClean="0"/>
+              <a:rPr lang="en-US"/>
               <a:t>Click to edit Master title style</a:t>
             </a:r>
             <a:endParaRPr lang="en-US" dirty="0"/>
@@ -2216,7 +2216,7 @@
           </a:lstStyle>
           <a:p>
             <a:r>
-              <a:rPr lang="en-US" smtClean="0"/>
+              <a:rPr lang="en-US"/>
               <a:t>Drag picture to placeholder or click icon to add</a:t>
             </a:r>
             <a:endParaRPr lang="en-US" dirty="0"/>
@@ -2282,7 +2282,7 @@
           <a:p>
             <a:pPr lvl="0"/>
             <a:r>
-              <a:rPr lang="en-US" smtClean="0"/>
+              <a:rPr lang="en-US"/>
               <a:t>Click to edit Master text styles</a:t>
             </a:r>
           </a:p>
@@ -2305,7 +2305,7 @@
           <a:p>
             <a:fld id="{EC4EA31E-8F8E-874E-8707-EA6F71849ACC}" type="datetimeFigureOut">
               <a:rPr lang="en-US" smtClean="0"/>
-              <a:t>10/23/17</a:t>
+              <a:t>3/11/18</a:t>
             </a:fld>
             <a:endParaRPr lang="en-US"/>
           </a:p>
@@ -2409,7 +2409,7 @@
           <a:lstStyle/>
           <a:p>
             <a:r>
-              <a:rPr lang="en-US" smtClean="0"/>
+              <a:rPr lang="en-US"/>
               <a:t>Click to edit Master title style</a:t>
             </a:r>
             <a:endParaRPr lang="en-US" dirty="0"/>
@@ -2443,35 +2443,35 @@
           <a:p>
             <a:pPr lvl="0"/>
             <a:r>
-              <a:rPr lang="en-US" smtClean="0"/>
+              <a:rPr lang="en-US"/>
               <a:t>Click to edit Master text styles</a:t>
             </a:r>
           </a:p>
           <a:p>
             <a:pPr lvl="1"/>
             <a:r>
-              <a:rPr lang="en-US" smtClean="0"/>
+              <a:rPr lang="en-US"/>
               <a:t>Second level</a:t>
             </a:r>
           </a:p>
           <a:p>
             <a:pPr lvl="2"/>
             <a:r>
-              <a:rPr lang="en-US" smtClean="0"/>
+              <a:rPr lang="en-US"/>
               <a:t>Third level</a:t>
             </a:r>
           </a:p>
           <a:p>
             <a:pPr lvl="3"/>
             <a:r>
-              <a:rPr lang="en-US" smtClean="0"/>
+              <a:rPr lang="en-US"/>
               <a:t>Fourth level</a:t>
             </a:r>
           </a:p>
           <a:p>
             <a:pPr lvl="4"/>
             <a:r>
-              <a:rPr lang="en-US" smtClean="0"/>
+              <a:rPr lang="en-US"/>
               <a:t>Fifth level</a:t>
             </a:r>
             <a:endParaRPr lang="en-US" dirty="0"/>
@@ -2513,7 +2513,7 @@
           <a:p>
             <a:fld id="{EC4EA31E-8F8E-874E-8707-EA6F71849ACC}" type="datetimeFigureOut">
               <a:rPr lang="en-US" smtClean="0"/>
-              <a:t>10/23/17</a:t>
+              <a:t>3/11/18</a:t>
             </a:fld>
             <a:endParaRPr lang="en-US"/>
           </a:p>
@@ -2949,20 +2949,15 @@
             </a:br>
             <a:r>
               <a:rPr lang="en-US" sz="3600" dirty="0"/>
-              <a:t>SEIS </a:t>
-            </a:r>
-            <a:r>
-              <a:rPr lang="en-US" sz="3600" dirty="0" smtClean="0"/>
-              <a:t>665</a:t>
+              <a:t>SEIS 665</a:t>
             </a:r>
             <a:br>
-              <a:rPr lang="en-US" sz="3600" dirty="0" smtClean="0"/>
+              <a:rPr lang="en-US" sz="3600" dirty="0"/>
             </a:br>
             <a:r>
-              <a:rPr lang="en-US" sz="3600" dirty="0" smtClean="0"/>
-              <a:t>Midterm</a:t>
-            </a:r>
-            <a:endParaRPr lang="en-US" sz="3600" dirty="0"/>
+              <a:rPr lang="en-US" sz="3600" dirty="0"/>
+              <a:t>Midterm Challenge</a:t>
+            </a:r>
           </a:p>
         </p:txBody>
       </p:sp>
@@ -2984,7 +2979,7 @@
         </p:spPr>
         <p:txBody>
           <a:bodyPr>
-            <a:normAutofit/>
+            <a:normAutofit fontScale="92500" lnSpcReduction="10000"/>
           </a:bodyPr>
           <a:lstStyle/>
           <a:p>
@@ -2993,37 +2988,9 @@
               <a:buChar char="•"/>
             </a:pPr>
             <a:r>
-              <a:rPr lang="en-US" dirty="0" smtClean="0"/>
+              <a:rPr lang="en-US" dirty="0"/>
               <a:t>Please complete Midterm survey.</a:t>
             </a:r>
-          </a:p>
-          <a:p>
-            <a:pPr marL="342900" indent="-342900" algn="l">
-              <a:buFont typeface="Arial" charset="0"/>
-              <a:buChar char="•"/>
-            </a:pPr>
-            <a:endParaRPr lang="en-US" dirty="0" smtClean="0"/>
-          </a:p>
-          <a:p>
-            <a:pPr marL="342900" indent="-342900" algn="l">
-              <a:buFont typeface="Arial" charset="0"/>
-              <a:buChar char="•"/>
-            </a:pPr>
-            <a:r>
-              <a:rPr lang="en-US" dirty="0" smtClean="0"/>
-              <a:t>The Midterm Challenge:</a:t>
-            </a:r>
-          </a:p>
-          <a:p>
-            <a:pPr marL="800100" lvl="1" indent="-342900" algn="l">
-              <a:buFont typeface="Arial" charset="0"/>
-              <a:buChar char="•"/>
-            </a:pPr>
-            <a:r>
-              <a:rPr lang="en-US" dirty="0" smtClean="0"/>
-              <a:t>One problem with three parts.</a:t>
-            </a:r>
-            <a:endParaRPr lang="en-US" dirty="0" smtClean="0"/>
           </a:p>
           <a:p>
             <a:pPr marL="342900" indent="-342900" algn="l">
@@ -3033,33 +3000,14 @@
             <a:endParaRPr lang="en-US" dirty="0"/>
           </a:p>
           <a:p>
-            <a:pPr marL="800100" lvl="1" indent="-342900" algn="l">
-              <a:buFont typeface="Arial" charset="0"/>
-              <a:buChar char="•"/>
-            </a:pPr>
-            <a:r>
-              <a:rPr lang="en-US" dirty="0" smtClean="0"/>
-              <a:t>You have two hours to complete the challenge. I will be flexible on timing since this is the first group to attempt the challenge.</a:t>
-            </a:r>
-            <a:endParaRPr lang="en-US" dirty="0" smtClean="0"/>
-          </a:p>
-          <a:p>
             <a:pPr marL="342900" indent="-342900" algn="l">
               <a:buFont typeface="Arial" charset="0"/>
               <a:buChar char="•"/>
             </a:pPr>
-            <a:endParaRPr lang="en-US" dirty="0" smtClean="0"/>
-          </a:p>
-          <a:p>
-            <a:pPr marL="800100" lvl="1" indent="-342900" algn="l">
-              <a:buFont typeface="Arial" charset="0"/>
-              <a:buChar char="•"/>
-            </a:pPr>
-            <a:r>
-              <a:rPr lang="en-US" dirty="0" smtClean="0"/>
-              <a:t>Open book. Use of personal communication tools is strictly prohibited.</a:t>
-            </a:r>
-            <a:endParaRPr lang="en-US" dirty="0" smtClean="0"/>
+            <a:r>
+              <a:rPr lang="en-US" dirty="0"/>
+              <a:t>The Midterm Challenge:</a:t>
+            </a:r>
           </a:p>
           <a:p>
             <a:pPr marL="342900" indent="-342900" algn="l">
@@ -3073,7 +3021,66 @@
               <a:buFont typeface="Arial" charset="0"/>
               <a:buChar char="•"/>
             </a:pPr>
-            <a:endParaRPr lang="en-US" dirty="0" smtClean="0"/>
+            <a:r>
+              <a:rPr lang="en-US" dirty="0"/>
+              <a:t>The challenge ends at 9PM. No submissions accepted after this time. Budget your time wisely!</a:t>
+            </a:r>
+          </a:p>
+          <a:p>
+            <a:pPr marL="342900" indent="-342900" algn="l">
+              <a:buFont typeface="Arial" charset="0"/>
+              <a:buChar char="•"/>
+            </a:pPr>
+            <a:endParaRPr lang="en-US" dirty="0"/>
+          </a:p>
+          <a:p>
+            <a:pPr marL="800100" lvl="1" indent="-342900" algn="l">
+              <a:buFont typeface="Arial" charset="0"/>
+              <a:buChar char="•"/>
+            </a:pPr>
+            <a:r>
+              <a:rPr lang="en-US" dirty="0"/>
+              <a:t>Open book. Use of personal communication tools is strictly prohibited.</a:t>
+            </a:r>
+          </a:p>
+          <a:p>
+            <a:pPr marL="800100" lvl="1" indent="-342900" algn="l">
+              <a:buFont typeface="Arial" charset="0"/>
+              <a:buChar char="•"/>
+            </a:pPr>
+            <a:endParaRPr lang="en-US" dirty="0"/>
+          </a:p>
+          <a:p>
+            <a:pPr marL="800100" lvl="1" indent="-342900" algn="l">
+              <a:buFont typeface="Arial" charset="0"/>
+              <a:buChar char="•"/>
+            </a:pPr>
+            <a:r>
+              <a:rPr lang="en-US" dirty="0"/>
+              <a:t>Scoring is completely based on the artifacts </a:t>
+            </a:r>
+            <a:r>
+              <a:rPr lang="en-US"/>
+              <a:t>in your </a:t>
+            </a:r>
+            <a:r>
+              <a:rPr lang="en-US" dirty="0"/>
+              <a:t>GitHub submission. </a:t>
+            </a:r>
+          </a:p>
+          <a:p>
+            <a:pPr marL="342900" indent="-342900" algn="l">
+              <a:buFont typeface="Arial" charset="0"/>
+              <a:buChar char="•"/>
+            </a:pPr>
+            <a:endParaRPr lang="en-US" dirty="0"/>
+          </a:p>
+          <a:p>
+            <a:pPr marL="800100" lvl="1" indent="-342900" algn="l">
+              <a:buFont typeface="Arial" charset="0"/>
+              <a:buChar char="•"/>
+            </a:pPr>
+            <a:endParaRPr lang="en-US" dirty="0"/>
           </a:p>
           <a:p>
             <a:pPr marL="342900" indent="-342900" algn="l">

--- a/lectures/infrastructure-week-7-midterm.pptx
+++ b/lectures/infrastructure-week-7-midterm.pptx
@@ -243,7 +243,7 @@
           <a:p>
             <a:fld id="{EC4EA31E-8F8E-874E-8707-EA6F71849ACC}" type="datetimeFigureOut">
               <a:rPr lang="en-US" smtClean="0"/>
-              <a:t>3/11/18</a:t>
+              <a:t>10/21/18</a:t>
             </a:fld>
             <a:endParaRPr lang="en-US"/>
           </a:p>
@@ -408,7 +408,7 @@
           <a:p>
             <a:fld id="{EC4EA31E-8F8E-874E-8707-EA6F71849ACC}" type="datetimeFigureOut">
               <a:rPr lang="en-US" smtClean="0"/>
-              <a:t>3/11/18</a:t>
+              <a:t>10/21/18</a:t>
             </a:fld>
             <a:endParaRPr lang="en-US"/>
           </a:p>
@@ -583,7 +583,7 @@
           <a:p>
             <a:fld id="{EC4EA31E-8F8E-874E-8707-EA6F71849ACC}" type="datetimeFigureOut">
               <a:rPr lang="en-US" smtClean="0"/>
-              <a:t>3/11/18</a:t>
+              <a:t>10/21/18</a:t>
             </a:fld>
             <a:endParaRPr lang="en-US"/>
           </a:p>
@@ -748,7 +748,7 @@
           <a:p>
             <a:fld id="{EC4EA31E-8F8E-874E-8707-EA6F71849ACC}" type="datetimeFigureOut">
               <a:rPr lang="en-US" smtClean="0"/>
-              <a:t>3/11/18</a:t>
+              <a:t>10/21/18</a:t>
             </a:fld>
             <a:endParaRPr lang="en-US"/>
           </a:p>
@@ -989,7 +989,7 @@
           <a:p>
             <a:fld id="{EC4EA31E-8F8E-874E-8707-EA6F71849ACC}" type="datetimeFigureOut">
               <a:rPr lang="en-US" smtClean="0"/>
-              <a:t>3/11/18</a:t>
+              <a:t>10/21/18</a:t>
             </a:fld>
             <a:endParaRPr lang="en-US"/>
           </a:p>
@@ -1216,7 +1216,7 @@
           <a:p>
             <a:fld id="{EC4EA31E-8F8E-874E-8707-EA6F71849ACC}" type="datetimeFigureOut">
               <a:rPr lang="en-US" smtClean="0"/>
-              <a:t>3/11/18</a:t>
+              <a:t>10/21/18</a:t>
             </a:fld>
             <a:endParaRPr lang="en-US"/>
           </a:p>
@@ -1578,7 +1578,7 @@
           <a:p>
             <a:fld id="{EC4EA31E-8F8E-874E-8707-EA6F71849ACC}" type="datetimeFigureOut">
               <a:rPr lang="en-US" smtClean="0"/>
-              <a:t>3/11/18</a:t>
+              <a:t>10/21/18</a:t>
             </a:fld>
             <a:endParaRPr lang="en-US"/>
           </a:p>
@@ -1691,7 +1691,7 @@
           <a:p>
             <a:fld id="{EC4EA31E-8F8E-874E-8707-EA6F71849ACC}" type="datetimeFigureOut">
               <a:rPr lang="en-US" smtClean="0"/>
-              <a:t>3/11/18</a:t>
+              <a:t>10/21/18</a:t>
             </a:fld>
             <a:endParaRPr lang="en-US"/>
           </a:p>
@@ -1781,7 +1781,7 @@
           <a:p>
             <a:fld id="{EC4EA31E-8F8E-874E-8707-EA6F71849ACC}" type="datetimeFigureOut">
               <a:rPr lang="en-US" smtClean="0"/>
-              <a:t>3/11/18</a:t>
+              <a:t>10/21/18</a:t>
             </a:fld>
             <a:endParaRPr lang="en-US"/>
           </a:p>
@@ -2053,7 +2053,7 @@
           <a:p>
             <a:fld id="{EC4EA31E-8F8E-874E-8707-EA6F71849ACC}" type="datetimeFigureOut">
               <a:rPr lang="en-US" smtClean="0"/>
-              <a:t>3/11/18</a:t>
+              <a:t>10/21/18</a:t>
             </a:fld>
             <a:endParaRPr lang="en-US"/>
           </a:p>
@@ -2305,7 +2305,7 @@
           <a:p>
             <a:fld id="{EC4EA31E-8F8E-874E-8707-EA6F71849ACC}" type="datetimeFigureOut">
               <a:rPr lang="en-US" smtClean="0"/>
-              <a:t>3/11/18</a:t>
+              <a:t>10/21/18</a:t>
             </a:fld>
             <a:endParaRPr lang="en-US"/>
           </a:p>
@@ -2513,7 +2513,7 @@
           <a:p>
             <a:fld id="{EC4EA31E-8F8E-874E-8707-EA6F71849ACC}" type="datetimeFigureOut">
               <a:rPr lang="en-US" smtClean="0"/>
-              <a:t>3/11/18</a:t>
+              <a:t>10/21/18</a:t>
             </a:fld>
             <a:endParaRPr lang="en-US"/>
           </a:p>
@@ -2979,19 +2979,9 @@
         </p:spPr>
         <p:txBody>
           <a:bodyPr>
-            <a:normAutofit fontScale="92500" lnSpcReduction="10000"/>
+            <a:normAutofit/>
           </a:bodyPr>
           <a:lstStyle/>
-          <a:p>
-            <a:pPr marL="342900" indent="-342900" algn="l">
-              <a:buFont typeface="Arial" charset="0"/>
-              <a:buChar char="•"/>
-            </a:pPr>
-            <a:r>
-              <a:rPr lang="en-US" dirty="0"/>
-              <a:t>Please complete Midterm survey.</a:t>
-            </a:r>
-          </a:p>
           <a:p>
             <a:pPr marL="342900" indent="-342900" algn="l">
               <a:buFont typeface="Arial" charset="0"/>
@@ -3023,7 +3013,7 @@
             </a:pPr>
             <a:r>
               <a:rPr lang="en-US" dirty="0"/>
-              <a:t>The challenge ends at 9PM. No submissions accepted after this time. Budget your time wisely!</a:t>
+              <a:t>The challenge ends at 9PM. No submissions accepted after this time. Plan to begin submitting your work around 8:30PM.</a:t>
             </a:r>
           </a:p>
           <a:p>
@@ -3057,16 +3047,13 @@
             </a:pPr>
             <a:r>
               <a:rPr lang="en-US" dirty="0"/>
-              <a:t>Scoring is completely based on the artifacts </a:t>
-            </a:r>
-            <a:r>
-              <a:rPr lang="en-US"/>
-              <a:t>in your </a:t>
-            </a:r>
-            <a:r>
-              <a:rPr lang="en-US" dirty="0"/>
-              <a:t>GitHub submission. </a:t>
-            </a:r>
+              <a:t>You must submit your work </a:t>
+            </a:r>
+            <a:r>
+              <a:rPr lang="en-US"/>
+              <a:t>via GitHub. </a:t>
+            </a:r>
+            <a:endParaRPr lang="en-US" dirty="0"/>
           </a:p>
           <a:p>
             <a:pPr marL="342900" indent="-342900" algn="l">

--- a/lectures/infrastructure-week-7-midterm.pptx
+++ b/lectures/infrastructure-week-7-midterm.pptx
@@ -243,7 +243,7 @@
           <a:p>
             <a:fld id="{EC4EA31E-8F8E-874E-8707-EA6F71849ACC}" type="datetimeFigureOut">
               <a:rPr lang="en-US" smtClean="0"/>
-              <a:t>10/21/18</a:t>
+              <a:t>8/10/20</a:t>
             </a:fld>
             <a:endParaRPr lang="en-US"/>
           </a:p>
@@ -408,7 +408,7 @@
           <a:p>
             <a:fld id="{EC4EA31E-8F8E-874E-8707-EA6F71849ACC}" type="datetimeFigureOut">
               <a:rPr lang="en-US" smtClean="0"/>
-              <a:t>10/21/18</a:t>
+              <a:t>8/10/20</a:t>
             </a:fld>
             <a:endParaRPr lang="en-US"/>
           </a:p>
@@ -583,7 +583,7 @@
           <a:p>
             <a:fld id="{EC4EA31E-8F8E-874E-8707-EA6F71849ACC}" type="datetimeFigureOut">
               <a:rPr lang="en-US" smtClean="0"/>
-              <a:t>10/21/18</a:t>
+              <a:t>8/10/20</a:t>
             </a:fld>
             <a:endParaRPr lang="en-US"/>
           </a:p>
@@ -748,7 +748,7 @@
           <a:p>
             <a:fld id="{EC4EA31E-8F8E-874E-8707-EA6F71849ACC}" type="datetimeFigureOut">
               <a:rPr lang="en-US" smtClean="0"/>
-              <a:t>10/21/18</a:t>
+              <a:t>8/10/20</a:t>
             </a:fld>
             <a:endParaRPr lang="en-US"/>
           </a:p>
@@ -989,7 +989,7 @@
           <a:p>
             <a:fld id="{EC4EA31E-8F8E-874E-8707-EA6F71849ACC}" type="datetimeFigureOut">
               <a:rPr lang="en-US" smtClean="0"/>
-              <a:t>10/21/18</a:t>
+              <a:t>8/10/20</a:t>
             </a:fld>
             <a:endParaRPr lang="en-US"/>
           </a:p>
@@ -1216,7 +1216,7 @@
           <a:p>
             <a:fld id="{EC4EA31E-8F8E-874E-8707-EA6F71849ACC}" type="datetimeFigureOut">
               <a:rPr lang="en-US" smtClean="0"/>
-              <a:t>10/21/18</a:t>
+              <a:t>8/10/20</a:t>
             </a:fld>
             <a:endParaRPr lang="en-US"/>
           </a:p>
@@ -1578,7 +1578,7 @@
           <a:p>
             <a:fld id="{EC4EA31E-8F8E-874E-8707-EA6F71849ACC}" type="datetimeFigureOut">
               <a:rPr lang="en-US" smtClean="0"/>
-              <a:t>10/21/18</a:t>
+              <a:t>8/10/20</a:t>
             </a:fld>
             <a:endParaRPr lang="en-US"/>
           </a:p>
@@ -1691,7 +1691,7 @@
           <a:p>
             <a:fld id="{EC4EA31E-8F8E-874E-8707-EA6F71849ACC}" type="datetimeFigureOut">
               <a:rPr lang="en-US" smtClean="0"/>
-              <a:t>10/21/18</a:t>
+              <a:t>8/10/20</a:t>
             </a:fld>
             <a:endParaRPr lang="en-US"/>
           </a:p>
@@ -1781,7 +1781,7 @@
           <a:p>
             <a:fld id="{EC4EA31E-8F8E-874E-8707-EA6F71849ACC}" type="datetimeFigureOut">
               <a:rPr lang="en-US" smtClean="0"/>
-              <a:t>10/21/18</a:t>
+              <a:t>8/10/20</a:t>
             </a:fld>
             <a:endParaRPr lang="en-US"/>
           </a:p>
@@ -2053,7 +2053,7 @@
           <a:p>
             <a:fld id="{EC4EA31E-8F8E-874E-8707-EA6F71849ACC}" type="datetimeFigureOut">
               <a:rPr lang="en-US" smtClean="0"/>
-              <a:t>10/21/18</a:t>
+              <a:t>8/10/20</a:t>
             </a:fld>
             <a:endParaRPr lang="en-US"/>
           </a:p>
@@ -2305,7 +2305,7 @@
           <a:p>
             <a:fld id="{EC4EA31E-8F8E-874E-8707-EA6F71849ACC}" type="datetimeFigureOut">
               <a:rPr lang="en-US" smtClean="0"/>
-              <a:t>10/21/18</a:t>
+              <a:t>8/10/20</a:t>
             </a:fld>
             <a:endParaRPr lang="en-US"/>
           </a:p>
@@ -2513,7 +2513,7 @@
           <a:p>
             <a:fld id="{EC4EA31E-8F8E-874E-8707-EA6F71849ACC}" type="datetimeFigureOut">
               <a:rPr lang="en-US" smtClean="0"/>
-              <a:t>10/21/18</a:t>
+              <a:t>8/10/20</a:t>
             </a:fld>
             <a:endParaRPr lang="en-US"/>
           </a:p>
@@ -2948,8 +2948,8 @@
               <a:rPr lang="en-US" sz="3600" dirty="0"/>
             </a:br>
             <a:r>
-              <a:rPr lang="en-US" sz="3600" dirty="0"/>
-              <a:t>SEIS 665</a:t>
+              <a:rPr lang="en-US" sz="3600"/>
+              <a:t>SEIS 615</a:t>
             </a:r>
             <a:br>
               <a:rPr lang="en-US" sz="3600" dirty="0"/>
